--- a/docs/lessons/1.3-mth161-r-and-r-studio/how-posit-cloud-works.pptx
+++ b/docs/lessons/1.3-mth161-r-and-r-studio/how-posit-cloud-works.pptx
@@ -104,6 +104,11 @@
       </a:defRPr>
     </a:lvl9pPr>
   </p:defaultTextStyle>
+  <p:extLst>
+    <p:ext uri="{EFAFB233-063F-42B5-8137-9DF3F51BA10A}">
+      <p15:sldGuideLst xmlns:p15="http://schemas.microsoft.com/office/powerpoint/2012/main"/>
+    </p:ext>
+  </p:extLst>
 </p:presentation>
 </file>
 
@@ -2990,7 +2995,7 @@
         </p:nvSpPr>
         <p:spPr>
           <a:xfrm>
-            <a:off x="1919771" y="121720"/>
+            <a:off x="62617" y="121718"/>
             <a:ext cx="1973580" cy="3871360"/>
           </a:xfrm>
           <a:prstGeom prst="roundRect">
@@ -3060,7 +3065,7 @@
         </p:blipFill>
         <p:spPr>
           <a:xfrm>
-            <a:off x="9684" y="1245385"/>
+            <a:off x="2535195" y="1337824"/>
             <a:ext cx="1439148" cy="1439148"/>
           </a:xfrm>
           <a:prstGeom prst="rect">
@@ -3082,7 +3087,7 @@
         </p:nvSpPr>
         <p:spPr>
           <a:xfrm>
-            <a:off x="172487" y="2684529"/>
+            <a:off x="2700882" y="2776972"/>
             <a:ext cx="1113536" cy="690702"/>
           </a:xfrm>
           <a:prstGeom prst="rect">
@@ -3145,7 +3150,7 @@
         </p:blipFill>
         <p:spPr>
           <a:xfrm>
-            <a:off x="2194140" y="336281"/>
+            <a:off x="336986" y="336279"/>
             <a:ext cx="1439148" cy="1439148"/>
           </a:xfrm>
           <a:prstGeom prst="rect">
@@ -3181,7 +3186,7 @@
         </p:blipFill>
         <p:spPr>
           <a:xfrm>
-            <a:off x="2194140" y="2057400"/>
+            <a:off x="336986" y="2057398"/>
             <a:ext cx="1439148" cy="1659816"/>
           </a:xfrm>
           <a:prstGeom prst="rect">
@@ -3217,7 +3222,7 @@
         </p:blipFill>
         <p:spPr>
           <a:xfrm>
-            <a:off x="4477515" y="1734065"/>
+            <a:off x="4473342" y="1734063"/>
             <a:ext cx="4084234" cy="646670"/>
           </a:xfrm>
           <a:prstGeom prst="rect">
@@ -3328,8 +3333,8 @@
         </p:nvCxnSpPr>
         <p:spPr>
           <a:xfrm>
-            <a:off x="8561749" y="2057400"/>
-            <a:ext cx="971905" cy="0"/>
+            <a:off x="8557576" y="2057398"/>
+            <a:ext cx="976078" cy="2"/>
           </a:xfrm>
           <a:prstGeom prst="straightConnector1">
             <a:avLst/>
@@ -3364,14 +3369,15 @@
           </p:cNvPr>
           <p:cNvCxnSpPr>
             <a:cxnSpLocks/>
-            <a:endCxn id="47" idx="1"/>
+            <a:stCxn id="47" idx="3"/>
+            <a:endCxn id="6" idx="1"/>
           </p:cNvCxnSpPr>
           <p:nvPr/>
         </p:nvCxnSpPr>
         <p:spPr>
           <a:xfrm>
-            <a:off x="1392244" y="2057400"/>
-            <a:ext cx="527527" cy="0"/>
+            <a:off x="2036197" y="2057398"/>
+            <a:ext cx="498998" cy="0"/>
           </a:xfrm>
           <a:prstGeom prst="straightConnector1">
             <a:avLst/>
@@ -3406,15 +3412,15 @@
           </p:cNvPr>
           <p:cNvCxnSpPr>
             <a:cxnSpLocks/>
-            <a:stCxn id="47" idx="3"/>
+            <a:stCxn id="6" idx="3"/>
             <a:endCxn id="20" idx="1"/>
           </p:cNvCxnSpPr>
           <p:nvPr/>
         </p:nvCxnSpPr>
         <p:spPr>
           <a:xfrm>
-            <a:off x="3893351" y="2057400"/>
-            <a:ext cx="584164" cy="0"/>
+            <a:off x="3974343" y="2057398"/>
+            <a:ext cx="498999" cy="0"/>
           </a:xfrm>
           <a:prstGeom prst="straightConnector1">
             <a:avLst/>
